--- a/yandex_liceum_hw_bot/Обучающий теелграм бот.pptx
+++ b/yandex_liceum_hw_bot/Обучающий теелграм бот.pptx
@@ -3354,7 +3354,7 @@
             </a:r>
             <a:r>
               <a:rPr lang="ru-RU" dirty="0" err="1"/>
-              <a:t>теелграм</a:t>
+              <a:t>телеграм</a:t>
             </a:r>
             <a:r>
               <a:rPr lang="ru-RU" dirty="0"/>
@@ -3496,7 +3496,15 @@
             </a:r>
             <a:r>
               <a:rPr lang="ru-RU" dirty="0"/>
-              <a:t>- Основная команда бота. Запускает обучающую игру. Сначала пользователю предлагается выбрать тему, затем даются 5 вопросов. При правильном отвеет пользователю приходит сообщение с изображением правильного ответа.</a:t>
+              <a:t>- Основная команда бота. Запускает обучающую игру. Сначала пользователю предлагается выбрать тему, затем даются 5 вопросов. При </a:t>
+            </a:r>
+            <a:r>
+              <a:rPr lang="ru-RU"/>
+              <a:t>правильном ответ </a:t>
+            </a:r>
+            <a:r>
+              <a:rPr lang="ru-RU" dirty="0"/>
+              <a:t>пользователю приходит сообщение с изображением правильного ответа.</a:t>
             </a:r>
           </a:p>
           <a:p>
